--- a/Лекции/ООП 1 лек 0.pptx
+++ b/Лекции/ООП 1 лек 0.pptx
@@ -225,7 +225,7 @@
             <a:fld id="{AA2F9473-F066-431E-A6E8-1D478C995A6B}" type="datetimeFigureOut">
               <a:rPr lang="en-US" smtClean="0"/>
               <a:pPr/>
-              <a:t>1/30/2025</a:t>
+              <a:t>4/15/2025</a:t>
             </a:fld>
             <a:endParaRPr lang="en-US"/>
           </a:p>
@@ -1911,7 +1911,7 @@
           <p:cNvPr id="9" name="Номер слайда 3">
             <a:extLst>
               <a:ext uri="{FF2B5EF4-FFF2-40B4-BE49-F238E27FC236}">
-                <a16:creationId xmlns:a16="http://schemas.microsoft.com/office/drawing/2014/main" xmlns="" id="{3DF48714-7FE4-4364-BF9D-28B9C9E2979D}"/>
+                <a16:creationId xmlns:a16="http://schemas.microsoft.com/office/drawing/2014/main" id="{3DF48714-7FE4-4364-BF9D-28B9C9E2979D}"/>
               </a:ext>
             </a:extLst>
           </p:cNvPr>
@@ -2050,7 +2050,7 @@
           <p:cNvPr id="7" name="Номер слайда 3">
             <a:extLst>
               <a:ext uri="{FF2B5EF4-FFF2-40B4-BE49-F238E27FC236}">
-                <a16:creationId xmlns:a16="http://schemas.microsoft.com/office/drawing/2014/main" xmlns="" id="{3DF48714-7FE4-4364-BF9D-28B9C9E2979D}"/>
+                <a16:creationId xmlns:a16="http://schemas.microsoft.com/office/drawing/2014/main" id="{3DF48714-7FE4-4364-BF9D-28B9C9E2979D}"/>
               </a:ext>
             </a:extLst>
           </p:cNvPr>
@@ -2332,7 +2332,7 @@
           <p:cNvPr id="9" name="Номер слайда 3">
             <a:extLst>
               <a:ext uri="{FF2B5EF4-FFF2-40B4-BE49-F238E27FC236}">
-                <a16:creationId xmlns:a16="http://schemas.microsoft.com/office/drawing/2014/main" xmlns="" id="{3DF48714-7FE4-4364-BF9D-28B9C9E2979D}"/>
+                <a16:creationId xmlns:a16="http://schemas.microsoft.com/office/drawing/2014/main" id="{3DF48714-7FE4-4364-BF9D-28B9C9E2979D}"/>
               </a:ext>
             </a:extLst>
           </p:cNvPr>
@@ -2769,7 +2769,7 @@
           <p:cNvPr id="17" name="Заголовок 16">
             <a:extLst>
               <a:ext uri="{FF2B5EF4-FFF2-40B4-BE49-F238E27FC236}">
-                <a16:creationId xmlns:a16="http://schemas.microsoft.com/office/drawing/2014/main" xmlns="" id="{D630362D-1F09-46B4-9DE4-AEA483AC82FD}"/>
+                <a16:creationId xmlns:a16="http://schemas.microsoft.com/office/drawing/2014/main" id="{D630362D-1F09-46B4-9DE4-AEA483AC82FD}"/>
               </a:ext>
             </a:extLst>
           </p:cNvPr>
@@ -3003,7 +3003,7 @@
           <p:cNvPr id="12" name="TextBox 11">
             <a:extLst>
               <a:ext uri="{FF2B5EF4-FFF2-40B4-BE49-F238E27FC236}">
-                <a16:creationId xmlns:a16="http://schemas.microsoft.com/office/drawing/2014/main" xmlns="" id="{F7B00361-5492-4290-B470-295172C16526}"/>
+                <a16:creationId xmlns:a16="http://schemas.microsoft.com/office/drawing/2014/main" id="{F7B00361-5492-4290-B470-295172C16526}"/>
               </a:ext>
             </a:extLst>
           </p:cNvPr>
@@ -3178,15 +3178,15 @@
         </p:nvSpPr>
         <p:spPr>
           <a:xfrm>
-            <a:off x="270662" y="654355"/>
-            <a:ext cx="11623854" cy="3907032"/>
+            <a:off x="0" y="654355"/>
+            <a:ext cx="12192000" cy="3970318"/>
           </a:xfrm>
           <a:prstGeom prst="rect">
             <a:avLst/>
           </a:prstGeom>
         </p:spPr>
         <p:txBody>
-          <a:bodyPr wrap="square">
+          <a:bodyPr wrap="square" lIns="360000" rIns="360000">
             <a:spAutoFit/>
           </a:bodyPr>
           <a:lstStyle/>
@@ -3460,15 +3460,15 @@
         </p:nvSpPr>
         <p:spPr>
           <a:xfrm>
-            <a:off x="270662" y="654355"/>
-            <a:ext cx="11623854" cy="6186309"/>
+            <a:off x="0" y="654355"/>
+            <a:ext cx="12192000" cy="6186309"/>
           </a:xfrm>
           <a:prstGeom prst="rect">
             <a:avLst/>
           </a:prstGeom>
         </p:spPr>
         <p:txBody>
-          <a:bodyPr wrap="square">
+          <a:bodyPr wrap="square" lIns="360000" rIns="360000">
             <a:spAutoFit/>
           </a:bodyPr>
           <a:lstStyle/>
@@ -3918,15 +3918,15 @@
         </p:nvSpPr>
         <p:spPr>
           <a:xfrm>
-            <a:off x="270662" y="654355"/>
-            <a:ext cx="11623854" cy="5632311"/>
+            <a:off x="0" y="654355"/>
+            <a:ext cx="12192000" cy="5632311"/>
           </a:xfrm>
           <a:prstGeom prst="rect">
             <a:avLst/>
           </a:prstGeom>
         </p:spPr>
         <p:txBody>
-          <a:bodyPr wrap="square">
+          <a:bodyPr wrap="square" lIns="360000" rIns="360000">
             <a:spAutoFit/>
           </a:bodyPr>
           <a:lstStyle/>
@@ -4508,7 +4508,7 @@
         </p:nvSpPr>
         <p:spPr>
           <a:xfrm>
-            <a:off x="270662" y="654356"/>
+            <a:off x="380390" y="654356"/>
             <a:ext cx="4594412" cy="2308324"/>
           </a:xfrm>
           <a:prstGeom prst="rect">
@@ -4699,15 +4699,15 @@
         </p:nvSpPr>
         <p:spPr>
           <a:xfrm>
-            <a:off x="270662" y="654355"/>
-            <a:ext cx="11623854" cy="6186309"/>
+            <a:off x="0" y="654355"/>
+            <a:ext cx="12192000" cy="6186309"/>
           </a:xfrm>
           <a:prstGeom prst="rect">
             <a:avLst/>
           </a:prstGeom>
         </p:spPr>
         <p:txBody>
-          <a:bodyPr wrap="square">
+          <a:bodyPr wrap="square" lIns="360000" rIns="360000">
             <a:spAutoFit/>
           </a:bodyPr>
           <a:lstStyle/>
@@ -4948,15 +4948,15 @@
         </p:nvSpPr>
         <p:spPr>
           <a:xfrm>
-            <a:off x="270662" y="654355"/>
-            <a:ext cx="11623854" cy="3416320"/>
+            <a:off x="0" y="654355"/>
+            <a:ext cx="12192000" cy="3416320"/>
           </a:xfrm>
           <a:prstGeom prst="rect">
             <a:avLst/>
           </a:prstGeom>
         </p:spPr>
         <p:txBody>
-          <a:bodyPr wrap="square">
+          <a:bodyPr wrap="square" lIns="360000" rIns="360000">
             <a:spAutoFit/>
           </a:bodyPr>
           <a:lstStyle/>
@@ -5251,15 +5251,15 @@
         </p:nvSpPr>
         <p:spPr>
           <a:xfrm>
-            <a:off x="270662" y="654355"/>
-            <a:ext cx="11623854" cy="5632311"/>
+            <a:off x="0" y="654355"/>
+            <a:ext cx="12192000" cy="5632311"/>
           </a:xfrm>
           <a:prstGeom prst="rect">
             <a:avLst/>
           </a:prstGeom>
         </p:spPr>
         <p:txBody>
-          <a:bodyPr wrap="square">
+          <a:bodyPr wrap="square" lIns="360000" rIns="360000">
             <a:spAutoFit/>
           </a:bodyPr>
           <a:lstStyle/>
@@ -5573,15 +5573,15 @@
         </p:nvSpPr>
         <p:spPr>
           <a:xfrm>
-            <a:off x="270662" y="654355"/>
-            <a:ext cx="11623854" cy="4524315"/>
+            <a:off x="0" y="654355"/>
+            <a:ext cx="12192000" cy="3970318"/>
           </a:xfrm>
           <a:prstGeom prst="rect">
             <a:avLst/>
           </a:prstGeom>
         </p:spPr>
         <p:txBody>
-          <a:bodyPr wrap="square">
+          <a:bodyPr wrap="square" lIns="360000" rIns="360000">
             <a:spAutoFit/>
           </a:bodyPr>
           <a:lstStyle/>
@@ -5942,15 +5942,15 @@
         </p:nvSpPr>
         <p:spPr>
           <a:xfrm>
-            <a:off x="270662" y="654355"/>
-            <a:ext cx="11623854" cy="4524315"/>
+            <a:off x="0" y="654355"/>
+            <a:ext cx="12192000" cy="4524315"/>
           </a:xfrm>
           <a:prstGeom prst="rect">
             <a:avLst/>
           </a:prstGeom>
         </p:spPr>
         <p:txBody>
-          <a:bodyPr wrap="square">
+          <a:bodyPr wrap="square" lIns="360000" rIns="360000">
             <a:spAutoFit/>
           </a:bodyPr>
           <a:lstStyle/>
@@ -6245,15 +6245,15 @@
         </p:nvSpPr>
         <p:spPr>
           <a:xfrm>
-            <a:off x="270662" y="654355"/>
-            <a:ext cx="11623854" cy="3416320"/>
+            <a:off x="0" y="654355"/>
+            <a:ext cx="12192000" cy="3416320"/>
           </a:xfrm>
           <a:prstGeom prst="rect">
             <a:avLst/>
           </a:prstGeom>
         </p:spPr>
         <p:txBody>
-          <a:bodyPr wrap="square">
+          <a:bodyPr wrap="square" lIns="360000" rIns="360000">
             <a:spAutoFit/>
           </a:bodyPr>
           <a:lstStyle/>
@@ -6570,15 +6570,15 @@
         </p:nvSpPr>
         <p:spPr>
           <a:xfrm>
-            <a:off x="270662" y="654355"/>
-            <a:ext cx="11623854" cy="5078313"/>
+            <a:off x="0" y="654355"/>
+            <a:ext cx="12192000" cy="5078313"/>
           </a:xfrm>
           <a:prstGeom prst="rect">
             <a:avLst/>
           </a:prstGeom>
         </p:spPr>
         <p:txBody>
-          <a:bodyPr wrap="square">
+          <a:bodyPr wrap="square" lIns="360000" rIns="360000">
             <a:spAutoFit/>
           </a:bodyPr>
           <a:lstStyle/>
